--- a/referenceDoc/스프링 입문-코드로 배우는 스프링부트,MVC,DB_20221205.pptx
+++ b/referenceDoc/스프링 입문-코드로 배우는 스프링부트,MVC,DB_20221205.pptx
@@ -22,6 +22,10 @@
     <p:sldId id="271" r:id="rId16"/>
     <p:sldId id="272" r:id="rId17"/>
     <p:sldId id="273" r:id="rId18"/>
+    <p:sldId id="274" r:id="rId19"/>
+    <p:sldId id="275" r:id="rId20"/>
+    <p:sldId id="276" r:id="rId21"/>
+    <p:sldId id="277" r:id="rId22"/>
   </p:sldIdLst>
   <p:sldSz cx="12192000" cy="6858000"/>
   <p:notesSz cx="6858000" cy="9144000"/>
@@ -223,7 +227,7 @@
           <a:effectLst/>
           <a:extLst>
             <a:ext uri="{91240B29-F687-4f45-9708-019B960494DF}">
-              <a14:hiddenLine xmlns="" xmlns:a14="http://schemas.microsoft.com/office/drawing/2010/main" w="9525">
+              <a14:hiddenLine xmlns:a14="http://schemas.microsoft.com/office/drawing/2010/main" xmlns="" w="9525">
                 <a:solidFill>
                   <a:srgbClr val="000000"/>
                 </a:solidFill>
@@ -415,7 +419,7 @@
           <a:p>
             <a:fld id="{3C9B76DE-BC2B-4970-93C6-7690FB15677A}" type="datetimeFigureOut">
               <a:rPr lang="ko-KR" altLang="en-US" smtClean="0"/>
-              <a:t>2022-12-05</a:t>
+              <a:t>2022-12-06</a:t>
             </a:fld>
             <a:endParaRPr lang="ko-KR" altLang="en-US"/>
           </a:p>
@@ -733,7 +737,7 @@
           <a:p>
             <a:fld id="{3C9B76DE-BC2B-4970-93C6-7690FB15677A}" type="datetimeFigureOut">
               <a:rPr lang="ko-KR" altLang="en-US" smtClean="0"/>
-              <a:t>2022-12-05</a:t>
+              <a:t>2022-12-06</a:t>
             </a:fld>
             <a:endParaRPr lang="ko-KR" altLang="en-US"/>
           </a:p>
@@ -1221,7 +1225,7 @@
           <a:p>
             <a:fld id="{3C9B76DE-BC2B-4970-93C6-7690FB15677A}" type="datetimeFigureOut">
               <a:rPr lang="ko-KR" altLang="en-US" smtClean="0"/>
-              <a:t>2022-12-05</a:t>
+              <a:t>2022-12-06</a:t>
             </a:fld>
             <a:endParaRPr lang="ko-KR" altLang="en-US"/>
           </a:p>
@@ -1590,7 +1594,7 @@
           <a:p>
             <a:fld id="{3C9B76DE-BC2B-4970-93C6-7690FB15677A}" type="datetimeFigureOut">
               <a:rPr lang="ko-KR" altLang="en-US" smtClean="0"/>
-              <a:t>2022-12-05</a:t>
+              <a:t>2022-12-06</a:t>
             </a:fld>
             <a:endParaRPr lang="ko-KR" altLang="en-US"/>
           </a:p>
@@ -1745,7 +1749,7 @@
           <a:ln/>
           <a:extLst>
             <a:ext uri="{91240B29-F687-4f45-9708-019B960494DF}">
-              <a14:hiddenLine xmlns="" xmlns:a14="http://schemas.microsoft.com/office/drawing/2010/main" w="9525">
+              <a14:hiddenLine xmlns:a14="http://schemas.microsoft.com/office/drawing/2010/main" xmlns="" w="9525">
                 <a:solidFill>
                   <a:srgbClr val="000000"/>
                 </a:solidFill>
@@ -1863,7 +1867,7 @@
           <a:p>
             <a:fld id="{3C9B76DE-BC2B-4970-93C6-7690FB15677A}" type="datetimeFigureOut">
               <a:rPr lang="ko-KR" altLang="en-US" smtClean="0"/>
-              <a:t>2022-12-05</a:t>
+              <a:t>2022-12-06</a:t>
             </a:fld>
             <a:endParaRPr lang="ko-KR" altLang="en-US"/>
           </a:p>
@@ -2020,7 +2024,7 @@
           <a:ln/>
           <a:extLst>
             <a:ext uri="{91240B29-F687-4f45-9708-019B960494DF}">
-              <a14:hiddenLine xmlns="" xmlns:a14="http://schemas.microsoft.com/office/drawing/2010/main" w="9525">
+              <a14:hiddenLine xmlns:a14="http://schemas.microsoft.com/office/drawing/2010/main" xmlns="" w="9525">
                 <a:solidFill>
                   <a:srgbClr val="000000"/>
                 </a:solidFill>
@@ -2148,7 +2152,7 @@
           <a:p>
             <a:fld id="{3C9B76DE-BC2B-4970-93C6-7690FB15677A}" type="datetimeFigureOut">
               <a:rPr lang="ko-KR" altLang="en-US" smtClean="0"/>
-              <a:t>2022-12-05</a:t>
+              <a:t>2022-12-06</a:t>
             </a:fld>
             <a:endParaRPr lang="ko-KR" altLang="en-US"/>
           </a:p>
@@ -2303,7 +2307,7 @@
           <a:ln/>
           <a:extLst>
             <a:ext uri="{91240B29-F687-4f45-9708-019B960494DF}">
-              <a14:hiddenLine xmlns="" xmlns:a14="http://schemas.microsoft.com/office/drawing/2010/main" w="9525">
+              <a14:hiddenLine xmlns:a14="http://schemas.microsoft.com/office/drawing/2010/main" xmlns="" w="9525">
                 <a:solidFill>
                   <a:srgbClr val="000000"/>
                 </a:solidFill>
@@ -2469,7 +2473,7 @@
           <a:p>
             <a:fld id="{3C9B76DE-BC2B-4970-93C6-7690FB15677A}" type="datetimeFigureOut">
               <a:rPr lang="ko-KR" altLang="en-US" smtClean="0"/>
-              <a:t>2022-12-05</a:t>
+              <a:t>2022-12-06</a:t>
             </a:fld>
             <a:endParaRPr lang="ko-KR" altLang="en-US"/>
           </a:p>
@@ -2812,7 +2816,7 @@
           <a:p>
             <a:fld id="{3C9B76DE-BC2B-4970-93C6-7690FB15677A}" type="datetimeFigureOut">
               <a:rPr lang="ko-KR" altLang="en-US" smtClean="0"/>
-              <a:t>2022-12-05</a:t>
+              <a:t>2022-12-06</a:t>
             </a:fld>
             <a:endParaRPr lang="ko-KR" altLang="en-US"/>
           </a:p>
@@ -2967,7 +2971,7 @@
           <a:ln/>
           <a:extLst>
             <a:ext uri="{91240B29-F687-4f45-9708-019B960494DF}">
-              <a14:hiddenLine xmlns="" xmlns:a14="http://schemas.microsoft.com/office/drawing/2010/main" w="9525">
+              <a14:hiddenLine xmlns:a14="http://schemas.microsoft.com/office/drawing/2010/main" xmlns="" w="9525">
                 <a:solidFill>
                   <a:srgbClr val="000000"/>
                 </a:solidFill>
@@ -3151,7 +3155,7 @@
           <a:p>
             <a:fld id="{3C9B76DE-BC2B-4970-93C6-7690FB15677A}" type="datetimeFigureOut">
               <a:rPr lang="ko-KR" altLang="en-US" smtClean="0"/>
-              <a:t>2022-12-05</a:t>
+              <a:t>2022-12-06</a:t>
             </a:fld>
             <a:endParaRPr lang="ko-KR" altLang="en-US"/>
           </a:p>
@@ -3306,7 +3310,7 @@
           <a:ln/>
           <a:extLst>
             <a:ext uri="{91240B29-F687-4f45-9708-019B960494DF}">
-              <a14:hiddenLine xmlns="" xmlns:a14="http://schemas.microsoft.com/office/drawing/2010/main" w="9525">
+              <a14:hiddenLine xmlns:a14="http://schemas.microsoft.com/office/drawing/2010/main" xmlns="" w="9525">
                 <a:solidFill>
                   <a:srgbClr val="000000"/>
                 </a:solidFill>
@@ -3628,7 +3632,7 @@
           <a:p>
             <a:fld id="{3C9B76DE-BC2B-4970-93C6-7690FB15677A}" type="datetimeFigureOut">
               <a:rPr lang="ko-KR" altLang="en-US" smtClean="0"/>
-              <a:t>2022-12-05</a:t>
+              <a:t>2022-12-06</a:t>
             </a:fld>
             <a:endParaRPr lang="ko-KR" altLang="en-US"/>
           </a:p>
@@ -3783,7 +3787,7 @@
           <a:ln/>
           <a:extLst>
             <a:ext uri="{91240B29-F687-4f45-9708-019B960494DF}">
-              <a14:hiddenLine xmlns="" xmlns:a14="http://schemas.microsoft.com/office/drawing/2010/main" w="9525">
+              <a14:hiddenLine xmlns:a14="http://schemas.microsoft.com/office/drawing/2010/main" xmlns="" w="9525">
                 <a:solidFill>
                   <a:srgbClr val="000000"/>
                 </a:solidFill>
@@ -3849,7 +3853,7 @@
           <a:p>
             <a:fld id="{3C9B76DE-BC2B-4970-93C6-7690FB15677A}" type="datetimeFigureOut">
               <a:rPr lang="ko-KR" altLang="en-US" smtClean="0"/>
-              <a:t>2022-12-05</a:t>
+              <a:t>2022-12-06</a:t>
             </a:fld>
             <a:endParaRPr lang="ko-KR" altLang="en-US"/>
           </a:p>
@@ -3944,7 +3948,7 @@
           <a:p>
             <a:fld id="{3C9B76DE-BC2B-4970-93C6-7690FB15677A}" type="datetimeFigureOut">
               <a:rPr lang="ko-KR" altLang="en-US" smtClean="0"/>
-              <a:t>2022-12-05</a:t>
+              <a:t>2022-12-06</a:t>
             </a:fld>
             <a:endParaRPr lang="ko-KR" altLang="en-US"/>
           </a:p>
@@ -4212,7 +4216,7 @@
           <a:ln/>
           <a:extLst>
             <a:ext uri="{91240B29-F687-4f45-9708-019B960494DF}">
-              <a14:hiddenLine xmlns="" xmlns:a14="http://schemas.microsoft.com/office/drawing/2010/main" w="9525">
+              <a14:hiddenLine xmlns:a14="http://schemas.microsoft.com/office/drawing/2010/main" xmlns="" w="9525">
                 <a:solidFill>
                   <a:srgbClr val="000000"/>
                 </a:solidFill>
@@ -4411,7 +4415,7 @@
           <a:p>
             <a:fld id="{3C9B76DE-BC2B-4970-93C6-7690FB15677A}" type="datetimeFigureOut">
               <a:rPr lang="ko-KR" altLang="en-US" smtClean="0"/>
-              <a:t>2022-12-05</a:t>
+              <a:t>2022-12-06</a:t>
             </a:fld>
             <a:endParaRPr lang="ko-KR" altLang="en-US"/>
           </a:p>
@@ -4724,7 +4728,7 @@
           <a:p>
             <a:fld id="{3C9B76DE-BC2B-4970-93C6-7690FB15677A}" type="datetimeFigureOut">
               <a:rPr lang="ko-KR" altLang="en-US" smtClean="0"/>
-              <a:t>2022-12-05</a:t>
+              <a:t>2022-12-06</a:t>
             </a:fld>
             <a:endParaRPr lang="ko-KR" altLang="en-US"/>
           </a:p>
@@ -4994,7 +4998,7 @@
           <a:p>
             <a:fld id="{3C9B76DE-BC2B-4970-93C6-7690FB15677A}" type="datetimeFigureOut">
               <a:rPr lang="ko-KR" altLang="en-US" smtClean="0"/>
-              <a:t>2022-12-05</a:t>
+              <a:t>2022-12-06</a:t>
             </a:fld>
             <a:endParaRPr lang="ko-KR" altLang="en-US"/>
           </a:p>
@@ -7646,6 +7650,438 @@
 </p:sld>
 </file>
 
+<file path=ppt/slides/slide18.xml><?xml version="1.0" encoding="utf-8"?>
+<p:sld xmlns:a="http://schemas.openxmlformats.org/drawingml/2006/main" xmlns:r="http://schemas.openxmlformats.org/officeDocument/2006/relationships" xmlns:p="http://schemas.openxmlformats.org/presentationml/2006/main">
+  <p:cSld>
+    <p:spTree>
+      <p:nvGrpSpPr>
+        <p:cNvPr id="1" name=""/>
+        <p:cNvGrpSpPr/>
+        <p:nvPr/>
+      </p:nvGrpSpPr>
+      <p:grpSpPr>
+        <a:xfrm>
+          <a:off x="0" y="0"/>
+          <a:ext cx="0" cy="0"/>
+          <a:chOff x="0" y="0"/>
+          <a:chExt cx="0" cy="0"/>
+        </a:xfrm>
+      </p:grpSpPr>
+      <p:sp>
+        <p:nvSpPr>
+          <p:cNvPr id="2" name="제목 1">
+            <a:extLst>
+              <a:ext uri="{FF2B5EF4-FFF2-40B4-BE49-F238E27FC236}">
+                <a16:creationId xmlns:a16="http://schemas.microsoft.com/office/drawing/2014/main" id="{8BCC9153-4CB7-4C91-BFB6-4190FFA1E0C8}"/>
+              </a:ext>
+            </a:extLst>
+          </p:cNvPr>
+          <p:cNvSpPr>
+            <a:spLocks noGrp="1"/>
+          </p:cNvSpPr>
+          <p:nvPr>
+            <p:ph type="title"/>
+          </p:nvPr>
+        </p:nvSpPr>
+        <p:spPr/>
+        <p:txBody>
+          <a:bodyPr/>
+          <a:lstStyle/>
+          <a:p>
+            <a:r>
+              <a:rPr lang="en-US" altLang="ko-KR" dirty="0"/>
+              <a:t>JPA</a:t>
+            </a:r>
+            <a:endParaRPr lang="ko-KR" altLang="en-US" dirty="0"/>
+          </a:p>
+        </p:txBody>
+      </p:sp>
+      <p:sp>
+        <p:nvSpPr>
+          <p:cNvPr id="3" name="내용 개체 틀 2">
+            <a:extLst>
+              <a:ext uri="{FF2B5EF4-FFF2-40B4-BE49-F238E27FC236}">
+                <a16:creationId xmlns:a16="http://schemas.microsoft.com/office/drawing/2014/main" id="{7C255BF3-6931-4ADD-9917-2D2972148EAA}"/>
+              </a:ext>
+            </a:extLst>
+          </p:cNvPr>
+          <p:cNvSpPr>
+            <a:spLocks noGrp="1"/>
+          </p:cNvSpPr>
+          <p:nvPr>
+            <p:ph idx="1"/>
+          </p:nvPr>
+        </p:nvSpPr>
+        <p:spPr>
+          <a:xfrm>
+            <a:off x="818712" y="1635907"/>
+            <a:ext cx="10554574" cy="4332631"/>
+          </a:xfrm>
+        </p:spPr>
+        <p:txBody>
+          <a:bodyPr/>
+          <a:lstStyle/>
+          <a:p>
+            <a:r>
+              <a:rPr lang="en-US" altLang="ko-KR" dirty="0"/>
+              <a:t>JPA(Java Persistence API)</a:t>
+            </a:r>
+            <a:br>
+              <a:rPr lang="en-US" altLang="ko-KR" dirty="0"/>
+            </a:br>
+            <a:r>
+              <a:rPr lang="en-US" altLang="ko-KR" dirty="0"/>
+              <a:t>: JPA</a:t>
+            </a:r>
+            <a:r>
+              <a:rPr lang="ko-KR" altLang="en-US" dirty="0"/>
+              <a:t>는 자바 표준 인터페이스이며</a:t>
+            </a:r>
+            <a:r>
+              <a:rPr lang="en-US" altLang="ko-KR" dirty="0"/>
+              <a:t>, Hibernate </a:t>
+            </a:r>
+            <a:r>
+              <a:rPr lang="ko-KR" altLang="en-US" dirty="0"/>
+              <a:t>등의 구현체가 있음</a:t>
+            </a:r>
+            <a:br>
+              <a:rPr lang="en-US" altLang="ko-KR" dirty="0"/>
+            </a:br>
+            <a:r>
+              <a:rPr lang="en-US" altLang="ko-KR" dirty="0"/>
+              <a:t>: JPA</a:t>
+            </a:r>
+            <a:r>
+              <a:rPr lang="ko-KR" altLang="en-US" dirty="0"/>
+              <a:t>는 기존의 반복 코드는 물론이고 기본적인 </a:t>
+            </a:r>
+            <a:r>
+              <a:rPr lang="en-US" altLang="ko-KR" dirty="0"/>
+              <a:t>SQL</a:t>
+            </a:r>
+            <a:r>
+              <a:rPr lang="ko-KR" altLang="en-US" dirty="0"/>
+              <a:t>도 </a:t>
+            </a:r>
+            <a:r>
+              <a:rPr lang="en-US" altLang="ko-KR" dirty="0"/>
+              <a:t>JPA</a:t>
+            </a:r>
+            <a:r>
+              <a:rPr lang="ko-KR" altLang="en-US" dirty="0"/>
+              <a:t>가 직접 만들어서 실행해준다</a:t>
+            </a:r>
+            <a:r>
+              <a:rPr lang="en-US" altLang="ko-KR" dirty="0"/>
+              <a:t>.</a:t>
+            </a:r>
+            <a:br>
+              <a:rPr lang="en-US" altLang="ko-KR" dirty="0"/>
+            </a:br>
+            <a:r>
+              <a:rPr lang="en-US" altLang="ko-KR" dirty="0"/>
+              <a:t>: JPA</a:t>
+            </a:r>
+            <a:r>
+              <a:rPr lang="ko-KR" altLang="en-US" dirty="0"/>
+              <a:t>를 사용하면</a:t>
+            </a:r>
+            <a:r>
+              <a:rPr lang="en-US" altLang="ko-KR" dirty="0"/>
+              <a:t>, SQL</a:t>
+            </a:r>
+            <a:r>
+              <a:rPr lang="ko-KR" altLang="en-US" dirty="0"/>
+              <a:t>과 데이터 중심의 설계에서 객체 중심의 설계로 패러다임을 전환할 수 있다</a:t>
+            </a:r>
+            <a:r>
+              <a:rPr lang="en-US" altLang="ko-KR" dirty="0"/>
+              <a:t>.</a:t>
+            </a:r>
+          </a:p>
+          <a:p>
+            <a:endParaRPr lang="en-US" altLang="ko-KR" dirty="0"/>
+          </a:p>
+          <a:p>
+            <a:endParaRPr lang="en-US" altLang="ko-KR" dirty="0"/>
+          </a:p>
+          <a:p>
+            <a:endParaRPr lang="en-US" altLang="ko-KR" dirty="0"/>
+          </a:p>
+        </p:txBody>
+      </p:sp>
+      <p:pic>
+        <p:nvPicPr>
+          <p:cNvPr id="7" name="그림 6">
+            <a:extLst>
+              <a:ext uri="{FF2B5EF4-FFF2-40B4-BE49-F238E27FC236}">
+                <a16:creationId xmlns:a16="http://schemas.microsoft.com/office/drawing/2014/main" id="{74F7205B-088C-4A1C-B861-AF0CC2526C6D}"/>
+              </a:ext>
+            </a:extLst>
+          </p:cNvPr>
+          <p:cNvPicPr>
+            <a:picLocks noChangeAspect="1"/>
+          </p:cNvPicPr>
+          <p:nvPr/>
+        </p:nvPicPr>
+        <p:blipFill>
+          <a:blip r:embed="rId2"/>
+          <a:stretch>
+            <a:fillRect/>
+          </a:stretch>
+        </p:blipFill>
+        <p:spPr>
+          <a:xfrm>
+            <a:off x="1382989" y="3161498"/>
+            <a:ext cx="2989025" cy="3063133"/>
+          </a:xfrm>
+          <a:prstGeom prst="rect">
+            <a:avLst/>
+          </a:prstGeom>
+        </p:spPr>
+      </p:pic>
+      <p:pic>
+        <p:nvPicPr>
+          <p:cNvPr id="8" name="그림 7">
+            <a:extLst>
+              <a:ext uri="{FF2B5EF4-FFF2-40B4-BE49-F238E27FC236}">
+                <a16:creationId xmlns:a16="http://schemas.microsoft.com/office/drawing/2014/main" id="{2B3A90AF-C27C-4FE6-9547-32C78E50E222}"/>
+              </a:ext>
+            </a:extLst>
+          </p:cNvPr>
+          <p:cNvPicPr>
+            <a:picLocks noChangeAspect="1"/>
+          </p:cNvPicPr>
+          <p:nvPr/>
+        </p:nvPicPr>
+        <p:blipFill>
+          <a:blip r:embed="rId3"/>
+          <a:stretch>
+            <a:fillRect/>
+          </a:stretch>
+        </p:blipFill>
+        <p:spPr>
+          <a:xfrm>
+            <a:off x="4536325" y="3161498"/>
+            <a:ext cx="4097704" cy="2584961"/>
+          </a:xfrm>
+          <a:prstGeom prst="rect">
+            <a:avLst/>
+          </a:prstGeom>
+        </p:spPr>
+      </p:pic>
+    </p:spTree>
+    <p:extLst>
+      <p:ext uri="{BB962C8B-B14F-4D97-AF65-F5344CB8AC3E}">
+        <p14:creationId xmlns:p14="http://schemas.microsoft.com/office/powerpoint/2010/main" val="2123413203"/>
+      </p:ext>
+    </p:extLst>
+  </p:cSld>
+  <p:clrMapOvr>
+    <a:masterClrMapping/>
+  </p:clrMapOvr>
+</p:sld>
+</file>
+
+<file path=ppt/slides/slide19.xml><?xml version="1.0" encoding="utf-8"?>
+<p:sld xmlns:a="http://schemas.openxmlformats.org/drawingml/2006/main" xmlns:r="http://schemas.openxmlformats.org/officeDocument/2006/relationships" xmlns:p="http://schemas.openxmlformats.org/presentationml/2006/main">
+  <p:cSld>
+    <p:spTree>
+      <p:nvGrpSpPr>
+        <p:cNvPr id="1" name=""/>
+        <p:cNvGrpSpPr/>
+        <p:nvPr/>
+      </p:nvGrpSpPr>
+      <p:grpSpPr>
+        <a:xfrm>
+          <a:off x="0" y="0"/>
+          <a:ext cx="0" cy="0"/>
+          <a:chOff x="0" y="0"/>
+          <a:chExt cx="0" cy="0"/>
+        </a:xfrm>
+      </p:grpSpPr>
+      <p:sp>
+        <p:nvSpPr>
+          <p:cNvPr id="2" name="제목 1">
+            <a:extLst>
+              <a:ext uri="{FF2B5EF4-FFF2-40B4-BE49-F238E27FC236}">
+                <a16:creationId xmlns:a16="http://schemas.microsoft.com/office/drawing/2014/main" id="{8BCC9153-4CB7-4C91-BFB6-4190FFA1E0C8}"/>
+              </a:ext>
+            </a:extLst>
+          </p:cNvPr>
+          <p:cNvSpPr>
+            <a:spLocks noGrp="1"/>
+          </p:cNvSpPr>
+          <p:nvPr>
+            <p:ph type="title"/>
+          </p:nvPr>
+        </p:nvSpPr>
+        <p:spPr/>
+        <p:txBody>
+          <a:bodyPr/>
+          <a:lstStyle/>
+          <a:p>
+            <a:r>
+              <a:rPr lang="ko-KR" altLang="en-US" dirty="0"/>
+              <a:t>스프링 데이터 </a:t>
+            </a:r>
+            <a:r>
+              <a:rPr lang="en-US" altLang="ko-KR" dirty="0"/>
+              <a:t>JPA</a:t>
+            </a:r>
+            <a:endParaRPr lang="ko-KR" altLang="en-US" dirty="0"/>
+          </a:p>
+        </p:txBody>
+      </p:sp>
+      <p:sp>
+        <p:nvSpPr>
+          <p:cNvPr id="3" name="내용 개체 틀 2">
+            <a:extLst>
+              <a:ext uri="{FF2B5EF4-FFF2-40B4-BE49-F238E27FC236}">
+                <a16:creationId xmlns:a16="http://schemas.microsoft.com/office/drawing/2014/main" id="{7C255BF3-6931-4ADD-9917-2D2972148EAA}"/>
+              </a:ext>
+            </a:extLst>
+          </p:cNvPr>
+          <p:cNvSpPr>
+            <a:spLocks noGrp="1"/>
+          </p:cNvSpPr>
+          <p:nvPr>
+            <p:ph idx="1"/>
+          </p:nvPr>
+        </p:nvSpPr>
+        <p:spPr>
+          <a:xfrm>
+            <a:off x="818712" y="1635907"/>
+            <a:ext cx="10554574" cy="4332631"/>
+          </a:xfrm>
+        </p:spPr>
+        <p:txBody>
+          <a:bodyPr/>
+          <a:lstStyle/>
+          <a:p>
+            <a:endParaRPr lang="en-US" altLang="ko-KR" dirty="0"/>
+          </a:p>
+          <a:p>
+            <a:r>
+              <a:rPr lang="en-US" altLang="ko-KR" dirty="0"/>
+              <a:t>Spring Data JPA </a:t>
+            </a:r>
+            <a:r>
+              <a:rPr lang="ko-KR" altLang="en-US" dirty="0"/>
+              <a:t>인터페이스만 만들고 </a:t>
+            </a:r>
+            <a:r>
+              <a:rPr lang="en-US" altLang="ko-KR" dirty="0" err="1"/>
+              <a:t>JpaRepository</a:t>
+            </a:r>
+            <a:r>
+              <a:rPr lang="ko-KR" altLang="en-US" dirty="0"/>
+              <a:t>를 상속하면</a:t>
+            </a:r>
+            <a:r>
+              <a:rPr lang="en-US" altLang="ko-KR" dirty="0"/>
+              <a:t> Spring Data JPA</a:t>
+            </a:r>
+            <a:r>
+              <a:rPr lang="ko-KR" altLang="en-US" dirty="0"/>
+              <a:t>가 구현체를 만들어주어 </a:t>
+            </a:r>
+            <a:r>
+              <a:rPr lang="ko-KR" altLang="en-US" dirty="0" err="1"/>
+              <a:t>리포지토리에</a:t>
+            </a:r>
+            <a:r>
+              <a:rPr lang="ko-KR" altLang="en-US" dirty="0"/>
+              <a:t> 구현 클래스 없이 인터페이스 만으로 개발을 완료할 수 있음</a:t>
+            </a:r>
+            <a:endParaRPr lang="en-US" altLang="ko-KR" dirty="0"/>
+          </a:p>
+          <a:p>
+            <a:r>
+              <a:rPr lang="ko-KR" altLang="en-US" dirty="0"/>
+              <a:t>또한</a:t>
+            </a:r>
+            <a:r>
+              <a:rPr lang="en-US" altLang="ko-KR" dirty="0"/>
+              <a:t>, </a:t>
+            </a:r>
+            <a:r>
+              <a:rPr lang="ko-KR" altLang="en-US" dirty="0"/>
+              <a:t>반복 개발해온 기본 </a:t>
+            </a:r>
+            <a:r>
+              <a:rPr lang="en-US" altLang="ko-KR" dirty="0"/>
+              <a:t>CRUD </a:t>
+            </a:r>
+            <a:r>
+              <a:rPr lang="ko-KR" altLang="en-US" dirty="0"/>
+              <a:t>기능도 스프링 데이터 </a:t>
+            </a:r>
+            <a:r>
+              <a:rPr lang="en-US" altLang="ko-KR" dirty="0"/>
+              <a:t>JPA</a:t>
+            </a:r>
+            <a:r>
+              <a:rPr lang="ko-KR" altLang="en-US" dirty="0"/>
+              <a:t>가 모두 제공</a:t>
+            </a:r>
+            <a:endParaRPr lang="en-US" altLang="ko-KR" dirty="0"/>
+          </a:p>
+          <a:p>
+            <a:endParaRPr lang="en-US" altLang="ko-KR" dirty="0"/>
+          </a:p>
+          <a:p>
+            <a:endParaRPr lang="en-US" altLang="ko-KR" dirty="0"/>
+          </a:p>
+          <a:p>
+            <a:endParaRPr lang="en-US" altLang="ko-KR" dirty="0"/>
+          </a:p>
+        </p:txBody>
+      </p:sp>
+      <p:pic>
+        <p:nvPicPr>
+          <p:cNvPr id="4" name="그림 3">
+            <a:extLst>
+              <a:ext uri="{FF2B5EF4-FFF2-40B4-BE49-F238E27FC236}">
+                <a16:creationId xmlns:a16="http://schemas.microsoft.com/office/drawing/2014/main" id="{20B15CD1-BA41-4032-AD28-144B2793611C}"/>
+              </a:ext>
+            </a:extLst>
+          </p:cNvPr>
+          <p:cNvPicPr>
+            <a:picLocks noChangeAspect="1"/>
+          </p:cNvPicPr>
+          <p:nvPr/>
+        </p:nvPicPr>
+        <p:blipFill>
+          <a:blip r:embed="rId2"/>
+          <a:stretch>
+            <a:fillRect/>
+          </a:stretch>
+        </p:blipFill>
+        <p:spPr>
+          <a:xfrm>
+            <a:off x="8623883" y="3057610"/>
+            <a:ext cx="2583810" cy="3544649"/>
+          </a:xfrm>
+          <a:prstGeom prst="rect">
+            <a:avLst/>
+          </a:prstGeom>
+        </p:spPr>
+      </p:pic>
+    </p:spTree>
+    <p:extLst>
+      <p:ext uri="{BB962C8B-B14F-4D97-AF65-F5344CB8AC3E}">
+        <p14:creationId xmlns:p14="http://schemas.microsoft.com/office/powerpoint/2010/main" val="3286008601"/>
+      </p:ext>
+    </p:extLst>
+  </p:cSld>
+  <p:clrMapOvr>
+    <a:masterClrMapping/>
+  </p:clrMapOvr>
+</p:sld>
+</file>
+
 <file path=ppt/slides/slide2.xml><?xml version="1.0" encoding="utf-8"?>
 <p:sld xmlns:a="http://schemas.openxmlformats.org/drawingml/2006/main" xmlns:r="http://schemas.openxmlformats.org/officeDocument/2006/relationships" xmlns:p="http://schemas.openxmlformats.org/presentationml/2006/main">
   <p:cSld>
@@ -7879,6 +8315,700 @@
     <p:extLst>
       <p:ext uri="{BB962C8B-B14F-4D97-AF65-F5344CB8AC3E}">
         <p14:creationId xmlns:p14="http://schemas.microsoft.com/office/powerpoint/2010/main" val="165517279"/>
+      </p:ext>
+    </p:extLst>
+  </p:cSld>
+  <p:clrMapOvr>
+    <a:masterClrMapping/>
+  </p:clrMapOvr>
+</p:sld>
+</file>
+
+<file path=ppt/slides/slide20.xml><?xml version="1.0" encoding="utf-8"?>
+<p:sld xmlns:a="http://schemas.openxmlformats.org/drawingml/2006/main" xmlns:r="http://schemas.openxmlformats.org/officeDocument/2006/relationships" xmlns:p="http://schemas.openxmlformats.org/presentationml/2006/main">
+  <p:cSld>
+    <p:spTree>
+      <p:nvGrpSpPr>
+        <p:cNvPr id="1" name=""/>
+        <p:cNvGrpSpPr/>
+        <p:nvPr/>
+      </p:nvGrpSpPr>
+      <p:grpSpPr>
+        <a:xfrm>
+          <a:off x="0" y="0"/>
+          <a:ext cx="0" cy="0"/>
+          <a:chOff x="0" y="0"/>
+          <a:chExt cx="0" cy="0"/>
+        </a:xfrm>
+      </p:grpSpPr>
+      <p:sp>
+        <p:nvSpPr>
+          <p:cNvPr id="2" name="제목 1">
+            <a:extLst>
+              <a:ext uri="{FF2B5EF4-FFF2-40B4-BE49-F238E27FC236}">
+                <a16:creationId xmlns:a16="http://schemas.microsoft.com/office/drawing/2014/main" id="{8BCC9153-4CB7-4C91-BFB6-4190FFA1E0C8}"/>
+              </a:ext>
+            </a:extLst>
+          </p:cNvPr>
+          <p:cNvSpPr>
+            <a:spLocks noGrp="1"/>
+          </p:cNvSpPr>
+          <p:nvPr>
+            <p:ph type="title"/>
+          </p:nvPr>
+        </p:nvSpPr>
+        <p:spPr/>
+        <p:txBody>
+          <a:bodyPr/>
+          <a:lstStyle/>
+          <a:p>
+            <a:r>
+              <a:rPr lang="en-US" altLang="ko-KR" dirty="0"/>
+              <a:t>AOP</a:t>
+            </a:r>
+            <a:endParaRPr lang="ko-KR" altLang="en-US" dirty="0"/>
+          </a:p>
+        </p:txBody>
+      </p:sp>
+      <p:sp>
+        <p:nvSpPr>
+          <p:cNvPr id="3" name="내용 개체 틀 2">
+            <a:extLst>
+              <a:ext uri="{FF2B5EF4-FFF2-40B4-BE49-F238E27FC236}">
+                <a16:creationId xmlns:a16="http://schemas.microsoft.com/office/drawing/2014/main" id="{7C255BF3-6931-4ADD-9917-2D2972148EAA}"/>
+              </a:ext>
+            </a:extLst>
+          </p:cNvPr>
+          <p:cNvSpPr>
+            <a:spLocks noGrp="1"/>
+          </p:cNvSpPr>
+          <p:nvPr>
+            <p:ph idx="1"/>
+          </p:nvPr>
+        </p:nvSpPr>
+        <p:spPr>
+          <a:xfrm>
+            <a:off x="818712" y="1635907"/>
+            <a:ext cx="10554574" cy="4332631"/>
+          </a:xfrm>
+        </p:spPr>
+        <p:txBody>
+          <a:bodyPr/>
+          <a:lstStyle/>
+          <a:p>
+            <a:r>
+              <a:rPr lang="en-US" altLang="ko-KR" dirty="0"/>
+              <a:t>AOP(Aspect Oriented Programming)</a:t>
+            </a:r>
+            <a:br>
+              <a:rPr lang="en-US" altLang="ko-KR" dirty="0"/>
+            </a:br>
+            <a:r>
+              <a:rPr lang="en-US" altLang="ko-KR" dirty="0"/>
+              <a:t>: </a:t>
+            </a:r>
+            <a:r>
+              <a:rPr lang="ko-KR" altLang="en-US" dirty="0"/>
+              <a:t>공통 관심 사항을 분리시켜 원하는 곳에 적용시키는 기술</a:t>
+            </a:r>
+            <a:endParaRPr lang="en-US" altLang="ko-KR" dirty="0"/>
+          </a:p>
+          <a:p>
+            <a:pPr marL="457200" lvl="1" indent="0">
+              <a:buNone/>
+            </a:pPr>
+            <a:r>
+              <a:rPr lang="ko-KR" altLang="en-US" dirty="0"/>
+              <a:t>예시</a:t>
+            </a:r>
+            <a:r>
+              <a:rPr lang="en-US" altLang="ko-KR" dirty="0"/>
+              <a:t>, </a:t>
+            </a:r>
+            <a:r>
+              <a:rPr lang="ko-KR" altLang="en-US" dirty="0"/>
+              <a:t>핵심 관심사항</a:t>
+            </a:r>
+            <a:r>
+              <a:rPr lang="en-US" altLang="ko-KR" dirty="0"/>
+              <a:t>(</a:t>
+            </a:r>
+            <a:r>
+              <a:rPr lang="ko-KR" altLang="en-US" dirty="0"/>
+              <a:t>회원가입</a:t>
+            </a:r>
+            <a:r>
+              <a:rPr lang="en-US" altLang="ko-KR" dirty="0"/>
+              <a:t>, </a:t>
+            </a:r>
+            <a:r>
+              <a:rPr lang="ko-KR" altLang="en-US" dirty="0"/>
+              <a:t>조회 등</a:t>
+            </a:r>
+            <a:r>
+              <a:rPr lang="en-US" altLang="ko-KR" dirty="0"/>
+              <a:t>)</a:t>
+            </a:r>
+            <a:r>
+              <a:rPr lang="ko-KR" altLang="en-US" dirty="0"/>
+              <a:t>과 공통 관심 사항</a:t>
+            </a:r>
+            <a:r>
+              <a:rPr lang="en-US" altLang="ko-KR" dirty="0"/>
+              <a:t>(</a:t>
+            </a:r>
+            <a:r>
+              <a:rPr lang="ko-KR" altLang="en-US" dirty="0"/>
+              <a:t>시간을 측정하는 로직</a:t>
+            </a:r>
+            <a:r>
+              <a:rPr lang="en-US" altLang="ko-KR" dirty="0"/>
+              <a:t>)</a:t>
+            </a:r>
+            <a:r>
+              <a:rPr lang="ko-KR" altLang="en-US" dirty="0"/>
+              <a:t>을 분리</a:t>
+            </a:r>
+            <a:endParaRPr lang="en-US" altLang="ko-KR" dirty="0"/>
+          </a:p>
+          <a:p>
+            <a:endParaRPr lang="en-US" altLang="ko-KR" dirty="0"/>
+          </a:p>
+          <a:p>
+            <a:endParaRPr lang="en-US" altLang="ko-KR" dirty="0"/>
+          </a:p>
+          <a:p>
+            <a:endParaRPr lang="en-US" altLang="ko-KR" dirty="0"/>
+          </a:p>
+          <a:p>
+            <a:pPr marL="0" indent="0">
+              <a:buNone/>
+            </a:pPr>
+            <a:endParaRPr lang="en-US" altLang="ko-KR" dirty="0"/>
+          </a:p>
+          <a:p>
+            <a:r>
+              <a:rPr lang="en-US" altLang="ko-KR" dirty="0"/>
+              <a:t>AOP </a:t>
+            </a:r>
+            <a:r>
+              <a:rPr lang="ko-KR" altLang="en-US" dirty="0"/>
+              <a:t>적용 전</a:t>
+            </a:r>
+            <a:r>
+              <a:rPr lang="en-US" altLang="ko-KR" dirty="0"/>
+              <a:t>/</a:t>
+            </a:r>
+            <a:r>
+              <a:rPr lang="ko-KR" altLang="en-US" dirty="0"/>
+              <a:t>후 의존관계</a:t>
+            </a:r>
+            <a:endParaRPr lang="en-US" altLang="ko-KR" dirty="0"/>
+          </a:p>
+          <a:p>
+            <a:endParaRPr lang="en-US" altLang="ko-KR" dirty="0"/>
+          </a:p>
+        </p:txBody>
+      </p:sp>
+      <p:pic>
+        <p:nvPicPr>
+          <p:cNvPr id="4" name="그림 3">
+            <a:extLst>
+              <a:ext uri="{FF2B5EF4-FFF2-40B4-BE49-F238E27FC236}">
+                <a16:creationId xmlns:a16="http://schemas.microsoft.com/office/drawing/2014/main" id="{72D94DC2-A222-4CE6-872E-B7F7A0681FEA}"/>
+              </a:ext>
+            </a:extLst>
+          </p:cNvPr>
+          <p:cNvPicPr>
+            <a:picLocks noChangeAspect="1"/>
+          </p:cNvPicPr>
+          <p:nvPr/>
+        </p:nvPicPr>
+        <p:blipFill>
+          <a:blip r:embed="rId2"/>
+          <a:stretch>
+            <a:fillRect/>
+          </a:stretch>
+        </p:blipFill>
+        <p:spPr>
+          <a:xfrm>
+            <a:off x="1373112" y="2694985"/>
+            <a:ext cx="3022719" cy="1612481"/>
+          </a:xfrm>
+          <a:prstGeom prst="rect">
+            <a:avLst/>
+          </a:prstGeom>
+        </p:spPr>
+      </p:pic>
+      <p:pic>
+        <p:nvPicPr>
+          <p:cNvPr id="5" name="그림 4">
+            <a:extLst>
+              <a:ext uri="{FF2B5EF4-FFF2-40B4-BE49-F238E27FC236}">
+                <a16:creationId xmlns:a16="http://schemas.microsoft.com/office/drawing/2014/main" id="{C92D718F-43B9-40C2-A13A-201D03AC2958}"/>
+              </a:ext>
+            </a:extLst>
+          </p:cNvPr>
+          <p:cNvPicPr>
+            <a:picLocks noChangeAspect="1"/>
+          </p:cNvPicPr>
+          <p:nvPr/>
+        </p:nvPicPr>
+        <p:blipFill>
+          <a:blip r:embed="rId3">
+            <a:extLst>
+              <a:ext uri="{28A0092B-C50C-407E-A947-70E740481C1C}">
+                <a14:useLocalDpi xmlns:a14="http://schemas.microsoft.com/office/drawing/2010/main" val="0"/>
+              </a:ext>
+            </a:extLst>
+          </a:blip>
+          <a:stretch>
+            <a:fillRect/>
+          </a:stretch>
+        </p:blipFill>
+        <p:spPr>
+          <a:xfrm>
+            <a:off x="1373112" y="4774678"/>
+            <a:ext cx="3022719" cy="1930104"/>
+          </a:xfrm>
+          <a:prstGeom prst="rect">
+            <a:avLst/>
+          </a:prstGeom>
+        </p:spPr>
+      </p:pic>
+      <p:pic>
+        <p:nvPicPr>
+          <p:cNvPr id="6" name="그림 5">
+            <a:extLst>
+              <a:ext uri="{FF2B5EF4-FFF2-40B4-BE49-F238E27FC236}">
+                <a16:creationId xmlns:a16="http://schemas.microsoft.com/office/drawing/2014/main" id="{6DA9A665-C728-4EC2-96ED-C80F6D9F2043}"/>
+              </a:ext>
+            </a:extLst>
+          </p:cNvPr>
+          <p:cNvPicPr>
+            <a:picLocks noChangeAspect="1"/>
+          </p:cNvPicPr>
+          <p:nvPr/>
+        </p:nvPicPr>
+        <p:blipFill>
+          <a:blip r:embed="rId4">
+            <a:extLst>
+              <a:ext uri="{28A0092B-C50C-407E-A947-70E740481C1C}">
+                <a14:useLocalDpi xmlns:a14="http://schemas.microsoft.com/office/drawing/2010/main" val="0"/>
+              </a:ext>
+            </a:extLst>
+          </a:blip>
+          <a:stretch>
+            <a:fillRect/>
+          </a:stretch>
+        </p:blipFill>
+        <p:spPr>
+          <a:xfrm>
+            <a:off x="5129407" y="4774678"/>
+            <a:ext cx="3437604" cy="1930103"/>
+          </a:xfrm>
+          <a:prstGeom prst="rect">
+            <a:avLst/>
+          </a:prstGeom>
+        </p:spPr>
+      </p:pic>
+      <p:pic>
+        <p:nvPicPr>
+          <p:cNvPr id="7" name="그림 6">
+            <a:extLst>
+              <a:ext uri="{FF2B5EF4-FFF2-40B4-BE49-F238E27FC236}">
+                <a16:creationId xmlns:a16="http://schemas.microsoft.com/office/drawing/2014/main" id="{6E9B5E64-78C2-4606-9D96-41DF716A50E6}"/>
+              </a:ext>
+            </a:extLst>
+          </p:cNvPr>
+          <p:cNvPicPr>
+            <a:picLocks noChangeAspect="1"/>
+          </p:cNvPicPr>
+          <p:nvPr/>
+        </p:nvPicPr>
+        <p:blipFill>
+          <a:blip r:embed="rId5"/>
+          <a:stretch>
+            <a:fillRect/>
+          </a:stretch>
+        </p:blipFill>
+        <p:spPr>
+          <a:xfrm>
+            <a:off x="8033628" y="5651718"/>
+            <a:ext cx="1066766" cy="161854"/>
+          </a:xfrm>
+          <a:prstGeom prst="rect">
+            <a:avLst/>
+          </a:prstGeom>
+        </p:spPr>
+      </p:pic>
+    </p:spTree>
+    <p:extLst>
+      <p:ext uri="{BB962C8B-B14F-4D97-AF65-F5344CB8AC3E}">
+        <p14:creationId xmlns:p14="http://schemas.microsoft.com/office/powerpoint/2010/main" val="1324944882"/>
+      </p:ext>
+    </p:extLst>
+  </p:cSld>
+  <p:clrMapOvr>
+    <a:masterClrMapping/>
+  </p:clrMapOvr>
+</p:sld>
+</file>
+
+<file path=ppt/slides/slide21.xml><?xml version="1.0" encoding="utf-8"?>
+<p:sld xmlns:a="http://schemas.openxmlformats.org/drawingml/2006/main" xmlns:r="http://schemas.openxmlformats.org/officeDocument/2006/relationships" xmlns:p="http://schemas.openxmlformats.org/presentationml/2006/main">
+  <p:cSld>
+    <p:spTree>
+      <p:nvGrpSpPr>
+        <p:cNvPr id="1" name=""/>
+        <p:cNvGrpSpPr/>
+        <p:nvPr/>
+      </p:nvGrpSpPr>
+      <p:grpSpPr>
+        <a:xfrm>
+          <a:off x="0" y="0"/>
+          <a:ext cx="0" cy="0"/>
+          <a:chOff x="0" y="0"/>
+          <a:chExt cx="0" cy="0"/>
+        </a:xfrm>
+      </p:grpSpPr>
+      <p:sp>
+        <p:nvSpPr>
+          <p:cNvPr id="2" name="제목 1">
+            <a:extLst>
+              <a:ext uri="{FF2B5EF4-FFF2-40B4-BE49-F238E27FC236}">
+                <a16:creationId xmlns:a16="http://schemas.microsoft.com/office/drawing/2014/main" id="{8BCC9153-4CB7-4C91-BFB6-4190FFA1E0C8}"/>
+              </a:ext>
+            </a:extLst>
+          </p:cNvPr>
+          <p:cNvSpPr>
+            <a:spLocks noGrp="1"/>
+          </p:cNvSpPr>
+          <p:nvPr>
+            <p:ph type="title"/>
+          </p:nvPr>
+        </p:nvSpPr>
+        <p:spPr/>
+        <p:txBody>
+          <a:bodyPr/>
+          <a:lstStyle/>
+          <a:p>
+            <a:r>
+              <a:rPr lang="ko-KR" altLang="en-US" dirty="0"/>
+              <a:t>마무리</a:t>
+            </a:r>
+          </a:p>
+        </p:txBody>
+      </p:sp>
+      <p:sp>
+        <p:nvSpPr>
+          <p:cNvPr id="3" name="내용 개체 틀 2">
+            <a:extLst>
+              <a:ext uri="{FF2B5EF4-FFF2-40B4-BE49-F238E27FC236}">
+                <a16:creationId xmlns:a16="http://schemas.microsoft.com/office/drawing/2014/main" id="{7C255BF3-6931-4ADD-9917-2D2972148EAA}"/>
+              </a:ext>
+            </a:extLst>
+          </p:cNvPr>
+          <p:cNvSpPr>
+            <a:spLocks noGrp="1"/>
+          </p:cNvSpPr>
+          <p:nvPr>
+            <p:ph idx="1"/>
+          </p:nvPr>
+        </p:nvSpPr>
+        <p:spPr>
+          <a:xfrm>
+            <a:off x="818712" y="1635907"/>
+            <a:ext cx="10554574" cy="4332631"/>
+          </a:xfrm>
+        </p:spPr>
+        <p:txBody>
+          <a:bodyPr/>
+          <a:lstStyle/>
+          <a:p>
+            <a:r>
+              <a:rPr lang="ko-KR" altLang="en-US" dirty="0"/>
+              <a:t>지금까지 스프링으로 웹 애플리케이션을 개발하는 방법에 대해서 얇고 넓게 학습했다</a:t>
+            </a:r>
+            <a:r>
+              <a:rPr lang="en-US" altLang="ko-KR" dirty="0"/>
+              <a:t>. </a:t>
+            </a:r>
+            <a:br>
+              <a:rPr lang="en-US" altLang="ko-KR" dirty="0"/>
+            </a:br>
+            <a:r>
+              <a:rPr lang="ko-KR" altLang="en-US" dirty="0"/>
+              <a:t>이제부터는 각각의 기술들을 </a:t>
+            </a:r>
+            <a:r>
+              <a:rPr lang="ko-KR" altLang="en-US" dirty="0" err="1"/>
+              <a:t>깊이있게</a:t>
+            </a:r>
+            <a:r>
+              <a:rPr lang="ko-KR" altLang="en-US" dirty="0"/>
+              <a:t> 이해해야 한다</a:t>
+            </a:r>
+            <a:r>
+              <a:rPr lang="en-US" altLang="ko-KR" dirty="0"/>
+              <a:t>. </a:t>
+            </a:r>
+            <a:br>
+              <a:rPr lang="en-US" altLang="ko-KR" dirty="0"/>
+            </a:br>
+            <a:r>
+              <a:rPr lang="ko-KR" altLang="en-US" dirty="0"/>
+              <a:t>거대한 스프링의 모든 것을 세세하게 알 필요는 없다</a:t>
+            </a:r>
+            <a:r>
+              <a:rPr lang="en-US" altLang="ko-KR" dirty="0"/>
+              <a:t>. </a:t>
+            </a:r>
+            <a:r>
+              <a:rPr lang="ko-KR" altLang="en-US" dirty="0"/>
+              <a:t>우리는 스프링을 만드는 개발자가 아니다</a:t>
+            </a:r>
+            <a:r>
+              <a:rPr lang="en-US" altLang="ko-KR" dirty="0"/>
+              <a:t>. </a:t>
+            </a:r>
+            <a:r>
+              <a:rPr lang="ko-KR" altLang="en-US" b="1" u="sng" dirty="0">
+                <a:solidFill>
+                  <a:schemeClr val="accent5"/>
+                </a:solidFill>
+              </a:rPr>
+              <a:t>스프링을 활용해서 실무에서 발생하는 문제들을 잘 해결하는 것이 훨씬 중요하다</a:t>
+            </a:r>
+            <a:r>
+              <a:rPr lang="en-US" altLang="ko-KR" dirty="0"/>
+              <a:t>. </a:t>
+            </a:r>
+            <a:br>
+              <a:rPr lang="en-US" altLang="ko-KR" dirty="0"/>
+            </a:br>
+            <a:r>
+              <a:rPr lang="ko-KR" altLang="en-US" dirty="0"/>
+              <a:t>따라서 핵심 원리를 이해하고</a:t>
+            </a:r>
+            <a:r>
+              <a:rPr lang="en-US" altLang="ko-KR" dirty="0"/>
+              <a:t>, </a:t>
+            </a:r>
+            <a:r>
+              <a:rPr lang="ko-KR" altLang="en-US" dirty="0"/>
+              <a:t>문제가 발생했을 때</a:t>
+            </a:r>
+            <a:r>
+              <a:rPr lang="en-US" altLang="ko-KR" dirty="0"/>
+              <a:t>, </a:t>
+            </a:r>
+            <a:r>
+              <a:rPr lang="ko-KR" altLang="en-US" dirty="0"/>
+              <a:t>대략 어디쯤 부터 </a:t>
+            </a:r>
+            <a:r>
+              <a:rPr lang="ko-KR" altLang="en-US" dirty="0" err="1"/>
+              <a:t>찾아들어가면</a:t>
+            </a:r>
+            <a:r>
+              <a:rPr lang="ko-KR" altLang="en-US" dirty="0"/>
+              <a:t> 될지</a:t>
+            </a:r>
+            <a:r>
+              <a:rPr lang="en-US" altLang="ko-KR" dirty="0"/>
+              <a:t>, </a:t>
+            </a:r>
+            <a:r>
+              <a:rPr lang="ko-KR" altLang="en-US" dirty="0"/>
+              <a:t>필요한 부분을 찾아서 사용할 수 있는 능력이 더 중요하다</a:t>
+            </a:r>
+            <a:r>
+              <a:rPr lang="en-US" altLang="ko-KR" dirty="0"/>
+              <a:t>.</a:t>
+            </a:r>
+          </a:p>
+          <a:p>
+            <a:endParaRPr lang="en-US" altLang="ko-KR" dirty="0"/>
+          </a:p>
+          <a:p>
+            <a:r>
+              <a:rPr lang="ko-KR" altLang="en-US" dirty="0"/>
+              <a:t>스프링 프레임워크에 대해 로드맵을 고려하며</a:t>
+            </a:r>
+            <a:r>
+              <a:rPr lang="en-US" altLang="ko-KR" dirty="0"/>
+              <a:t>, </a:t>
+            </a:r>
+            <a:r>
+              <a:rPr lang="ko-KR" altLang="en-US" dirty="0"/>
+              <a:t>핵심 원리 이해와 활용도를 높이도록 한다</a:t>
+            </a:r>
+            <a:r>
+              <a:rPr lang="en-US" altLang="ko-KR" dirty="0"/>
+              <a:t>.</a:t>
+            </a:r>
+          </a:p>
+        </p:txBody>
+      </p:sp>
+      <p:grpSp>
+        <p:nvGrpSpPr>
+          <p:cNvPr id="11" name="그룹 10">
+            <a:extLst>
+              <a:ext uri="{FF2B5EF4-FFF2-40B4-BE49-F238E27FC236}">
+                <a16:creationId xmlns:a16="http://schemas.microsoft.com/office/drawing/2014/main" id="{36249264-10AC-43DF-84CB-035164305841}"/>
+              </a:ext>
+            </a:extLst>
+          </p:cNvPr>
+          <p:cNvGrpSpPr/>
+          <p:nvPr/>
+        </p:nvGrpSpPr>
+        <p:grpSpPr>
+          <a:xfrm>
+            <a:off x="1217227" y="4288107"/>
+            <a:ext cx="8230749" cy="2191056"/>
+            <a:chOff x="1217227" y="4288107"/>
+            <a:chExt cx="8230749" cy="2191056"/>
+          </a:xfrm>
+        </p:grpSpPr>
+        <p:pic>
+          <p:nvPicPr>
+            <p:cNvPr id="8" name="그림 7">
+              <a:extLst>
+                <a:ext uri="{FF2B5EF4-FFF2-40B4-BE49-F238E27FC236}">
+                  <a16:creationId xmlns:a16="http://schemas.microsoft.com/office/drawing/2014/main" id="{5D7B7CBF-A7CF-47DF-8144-F705B7045C15}"/>
+                </a:ext>
+              </a:extLst>
+            </p:cNvPr>
+            <p:cNvPicPr>
+              <a:picLocks noChangeAspect="1"/>
+            </p:cNvPicPr>
+            <p:nvPr/>
+          </p:nvPicPr>
+          <p:blipFill>
+            <a:blip r:embed="rId2"/>
+            <a:stretch>
+              <a:fillRect/>
+            </a:stretch>
+          </p:blipFill>
+          <p:spPr>
+            <a:xfrm>
+              <a:off x="1217227" y="4288107"/>
+              <a:ext cx="8230749" cy="2191056"/>
+            </a:xfrm>
+            <a:prstGeom prst="rect">
+              <a:avLst/>
+            </a:prstGeom>
+          </p:spPr>
+        </p:pic>
+        <p:sp>
+          <p:nvSpPr>
+            <p:cNvPr id="9" name="직사각형 8">
+              <a:extLst>
+                <a:ext uri="{FF2B5EF4-FFF2-40B4-BE49-F238E27FC236}">
+                  <a16:creationId xmlns:a16="http://schemas.microsoft.com/office/drawing/2014/main" id="{7D52EFE9-1F6B-45F2-86B9-FD30695CDA67}"/>
+                </a:ext>
+              </a:extLst>
+            </p:cNvPr>
+            <p:cNvSpPr/>
+            <p:nvPr/>
+          </p:nvSpPr>
+          <p:spPr>
+            <a:xfrm>
+              <a:off x="7751428" y="5469622"/>
+              <a:ext cx="1619075" cy="941190"/>
+            </a:xfrm>
+            <a:prstGeom prst="rect">
+              <a:avLst/>
+            </a:prstGeom>
+            <a:solidFill>
+              <a:schemeClr val="tx1"/>
+            </a:solidFill>
+            <a:ln>
+              <a:solidFill>
+                <a:schemeClr val="tx1"/>
+              </a:solidFill>
+            </a:ln>
+          </p:spPr>
+          <p:style>
+            <a:lnRef idx="2">
+              <a:schemeClr val="accent1">
+                <a:shade val="50000"/>
+              </a:schemeClr>
+            </a:lnRef>
+            <a:fillRef idx="1">
+              <a:schemeClr val="accent1"/>
+            </a:fillRef>
+            <a:effectRef idx="0">
+              <a:schemeClr val="accent1"/>
+            </a:effectRef>
+            <a:fontRef idx="minor">
+              <a:schemeClr val="lt1"/>
+            </a:fontRef>
+          </p:style>
+          <p:txBody>
+            <a:bodyPr rtlCol="0" anchor="ctr"/>
+            <a:lstStyle/>
+            <a:p>
+              <a:pPr algn="ctr"/>
+              <a:endParaRPr lang="ko-KR" altLang="en-US"/>
+            </a:p>
+          </p:txBody>
+        </p:sp>
+      </p:grpSp>
+      <p:sp>
+        <p:nvSpPr>
+          <p:cNvPr id="10" name="직사각형 9">
+            <a:extLst>
+              <a:ext uri="{FF2B5EF4-FFF2-40B4-BE49-F238E27FC236}">
+                <a16:creationId xmlns:a16="http://schemas.microsoft.com/office/drawing/2014/main" id="{ACEC1651-4925-4E1E-93CC-DDBE072C05F3}"/>
+              </a:ext>
+            </a:extLst>
+          </p:cNvPr>
+          <p:cNvSpPr/>
+          <p:nvPr/>
+        </p:nvSpPr>
+        <p:spPr>
+          <a:xfrm>
+            <a:off x="2475576" y="4551502"/>
+            <a:ext cx="1022634" cy="431559"/>
+          </a:xfrm>
+          <a:prstGeom prst="rect">
+            <a:avLst/>
+          </a:prstGeom>
+        </p:spPr>
+        <p:style>
+          <a:lnRef idx="2">
+            <a:schemeClr val="accent1">
+              <a:shade val="50000"/>
+            </a:schemeClr>
+          </a:lnRef>
+          <a:fillRef idx="1">
+            <a:schemeClr val="accent1"/>
+          </a:fillRef>
+          <a:effectRef idx="0">
+            <a:schemeClr val="accent1"/>
+          </a:effectRef>
+          <a:fontRef idx="minor">
+            <a:schemeClr val="lt1"/>
+          </a:fontRef>
+        </p:style>
+        <p:txBody>
+          <a:bodyPr rtlCol="0" anchor="ctr"/>
+          <a:lstStyle/>
+          <a:p>
+            <a:pPr algn="ctr"/>
+            <a:r>
+              <a:rPr lang="ko-KR" altLang="en-US" sz="1400" b="1" dirty="0"/>
+              <a:t>현재강의</a:t>
+            </a:r>
+          </a:p>
+        </p:txBody>
+      </p:sp>
+    </p:spTree>
+    <p:extLst>
+      <p:ext uri="{BB962C8B-B14F-4D97-AF65-F5344CB8AC3E}">
+        <p14:creationId xmlns:p14="http://schemas.microsoft.com/office/powerpoint/2010/main" val="2024566096"/>
       </p:ext>
     </p:extLst>
   </p:cSld>
